--- a/Natural Language Processing.pptx
+++ b/Natural Language Processing.pptx
@@ -116,6 +116,11 @@
       </a:defRPr>
     </a:lvl9pPr>
   </p:defaultTextStyle>
+  <p:extLst>
+    <p:ext uri="{EFAFB233-063F-42B5-8137-9DF3F51BA10A}">
+      <p15:sldGuideLst xmlns:p15="http://schemas.microsoft.com/office/powerpoint/2012/main"/>
+    </p:ext>
+  </p:extLst>
 </p:presentation>
 </file>
 
@@ -741,7 +746,7 @@
           <a:p>
             <a:fld id="{F732F34C-EDDC-43D3-B0CD-1190AFCCD421}" type="datetimeFigureOut">
               <a:rPr lang="en-US" smtClean="0"/>
-              <a:t>4/21/2014</a:t>
+              <a:t>4/22/2014</a:t>
             </a:fld>
             <a:endParaRPr lang="en-US"/>
           </a:p>
@@ -1079,7 +1084,7 @@
           <a:p>
             <a:fld id="{F732F34C-EDDC-43D3-B0CD-1190AFCCD421}" type="datetimeFigureOut">
               <a:rPr lang="en-US" smtClean="0"/>
-              <a:t>4/21/2014</a:t>
+              <a:t>4/22/2014</a:t>
             </a:fld>
             <a:endParaRPr lang="en-US"/>
           </a:p>
@@ -1480,7 +1485,7 @@
           <a:p>
             <a:fld id="{F732F34C-EDDC-43D3-B0CD-1190AFCCD421}" type="datetimeFigureOut">
               <a:rPr lang="en-US" smtClean="0"/>
-              <a:t>4/21/2014</a:t>
+              <a:t>4/22/2014</a:t>
             </a:fld>
             <a:endParaRPr lang="en-US"/>
           </a:p>
@@ -1816,7 +1821,7 @@
           <a:p>
             <a:fld id="{F732F34C-EDDC-43D3-B0CD-1190AFCCD421}" type="datetimeFigureOut">
               <a:rPr lang="en-US" smtClean="0"/>
-              <a:t>4/21/2014</a:t>
+              <a:t>4/22/2014</a:t>
             </a:fld>
             <a:endParaRPr lang="en-US"/>
           </a:p>
@@ -2136,7 +2141,7 @@
           <a:p>
             <a:fld id="{F732F34C-EDDC-43D3-B0CD-1190AFCCD421}" type="datetimeFigureOut">
               <a:rPr lang="en-US" smtClean="0"/>
-              <a:t>4/21/2014</a:t>
+              <a:t>4/22/2014</a:t>
             </a:fld>
             <a:endParaRPr lang="en-US"/>
           </a:p>
@@ -2532,7 +2537,7 @@
           <a:p>
             <a:fld id="{F732F34C-EDDC-43D3-B0CD-1190AFCCD421}" type="datetimeFigureOut">
               <a:rPr lang="en-US" smtClean="0"/>
-              <a:t>4/21/2014</a:t>
+              <a:t>4/22/2014</a:t>
             </a:fld>
             <a:endParaRPr lang="en-US"/>
           </a:p>
@@ -2789,7 +2794,7 @@
           <a:p>
             <a:fld id="{F732F34C-EDDC-43D3-B0CD-1190AFCCD421}" type="datetimeFigureOut">
               <a:rPr lang="en-US" smtClean="0"/>
-              <a:t>4/21/2014</a:t>
+              <a:t>4/22/2014</a:t>
             </a:fld>
             <a:endParaRPr lang="en-US"/>
           </a:p>
@@ -3051,7 +3056,7 @@
           <a:p>
             <a:fld id="{F732F34C-EDDC-43D3-B0CD-1190AFCCD421}" type="datetimeFigureOut">
               <a:rPr lang="en-US" smtClean="0"/>
-              <a:t>4/21/2014</a:t>
+              <a:t>4/22/2014</a:t>
             </a:fld>
             <a:endParaRPr lang="en-US"/>
           </a:p>
@@ -3313,7 +3318,7 @@
           <a:p>
             <a:fld id="{F732F34C-EDDC-43D3-B0CD-1190AFCCD421}" type="datetimeFigureOut">
               <a:rPr lang="en-US" smtClean="0"/>
-              <a:t>4/21/2014</a:t>
+              <a:t>4/22/2014</a:t>
             </a:fld>
             <a:endParaRPr lang="en-US"/>
           </a:p>
@@ -3642,7 +3647,7 @@
           <a:p>
             <a:fld id="{F732F34C-EDDC-43D3-B0CD-1190AFCCD421}" type="datetimeFigureOut">
               <a:rPr lang="en-US" smtClean="0"/>
-              <a:t>4/21/2014</a:t>
+              <a:t>4/22/2014</a:t>
             </a:fld>
             <a:endParaRPr lang="en-US"/>
           </a:p>
@@ -3965,7 +3970,7 @@
           <a:p>
             <a:fld id="{F732F34C-EDDC-43D3-B0CD-1190AFCCD421}" type="datetimeFigureOut">
               <a:rPr lang="en-US" smtClean="0"/>
-              <a:t>4/21/2014</a:t>
+              <a:t>4/22/2014</a:t>
             </a:fld>
             <a:endParaRPr lang="en-US"/>
           </a:p>
@@ -4422,7 +4427,7 @@
           <a:p>
             <a:fld id="{F732F34C-EDDC-43D3-B0CD-1190AFCCD421}" type="datetimeFigureOut">
               <a:rPr lang="en-US" smtClean="0"/>
-              <a:t>4/21/2014</a:t>
+              <a:t>4/22/2014</a:t>
             </a:fld>
             <a:endParaRPr lang="en-US"/>
           </a:p>
@@ -4627,7 +4632,7 @@
           <a:p>
             <a:fld id="{F732F34C-EDDC-43D3-B0CD-1190AFCCD421}" type="datetimeFigureOut">
               <a:rPr lang="en-US" smtClean="0"/>
-              <a:t>4/21/2014</a:t>
+              <a:t>4/22/2014</a:t>
             </a:fld>
             <a:endParaRPr lang="en-US"/>
           </a:p>
@@ -4804,7 +4809,7 @@
           <a:p>
             <a:fld id="{F732F34C-EDDC-43D3-B0CD-1190AFCCD421}" type="datetimeFigureOut">
               <a:rPr lang="en-US" smtClean="0"/>
-              <a:t>4/21/2014</a:t>
+              <a:t>4/22/2014</a:t>
             </a:fld>
             <a:endParaRPr lang="en-US"/>
           </a:p>
@@ -5137,7 +5142,7 @@
           <a:p>
             <a:fld id="{F732F34C-EDDC-43D3-B0CD-1190AFCCD421}" type="datetimeFigureOut">
               <a:rPr lang="en-US" smtClean="0"/>
-              <a:t>4/21/2014</a:t>
+              <a:t>4/22/2014</a:t>
             </a:fld>
             <a:endParaRPr lang="en-US"/>
           </a:p>
@@ -5482,7 +5487,7 @@
           <a:p>
             <a:fld id="{F732F34C-EDDC-43D3-B0CD-1190AFCCD421}" type="datetimeFigureOut">
               <a:rPr lang="en-US" smtClean="0"/>
-              <a:t>4/21/2014</a:t>
+              <a:t>4/22/2014</a:t>
             </a:fld>
             <a:endParaRPr lang="en-US"/>
           </a:p>
@@ -7599,7 +7604,7 @@
           <a:p>
             <a:fld id="{F732F34C-EDDC-43D3-B0CD-1190AFCCD421}" type="datetimeFigureOut">
               <a:rPr lang="en-US" smtClean="0"/>
-              <a:t>4/21/2014</a:t>
+              <a:t>4/22/2014</a:t>
             </a:fld>
             <a:endParaRPr lang="en-US"/>
           </a:p>
@@ -8452,7 +8457,7 @@
         </p:spPr>
         <p:txBody>
           <a:bodyPr>
-            <a:normAutofit lnSpcReduction="10000"/>
+            <a:normAutofit/>
           </a:bodyPr>
           <a:lstStyle/>
           <a:p>
@@ -8471,14 +8476,13 @@
             <a:pPr lvl="1"/>
             <a:r>
               <a:rPr lang="en-US" sz="1900" dirty="0" smtClean="0"/>
-              <a:t>Reading comprehension</a:t>
-            </a:r>
-          </a:p>
-          <a:p>
-            <a:r>
-              <a:rPr lang="en-US" sz="2200" dirty="0" smtClean="0"/>
-              <a:t>Purpose</a:t>
-            </a:r>
+              <a:t>Reading </a:t>
+            </a:r>
+            <a:r>
+              <a:rPr lang="en-US" sz="1900" dirty="0" smtClean="0"/>
+              <a:t>comprehension, purpose</a:t>
+            </a:r>
+            <a:endParaRPr lang="en-US" sz="2200" dirty="0" smtClean="0"/>
           </a:p>
           <a:p>
             <a:r>
@@ -9042,7 +9046,11 @@
           <a:p>
             <a:r>
               <a:rPr lang="en-US" dirty="0" smtClean="0"/>
-              <a:t>Developing the “Brain” - Processing</a:t>
+              <a:t>Implementatio</a:t>
+            </a:r>
+            <a:r>
+              <a:rPr lang="en-US" dirty="0" smtClean="0"/>
+              <a:t>n </a:t>
             </a:r>
             <a:endParaRPr lang="en-US" dirty="0"/>
           </a:p>
@@ -9063,7 +9071,11 @@
           <a:bodyPr/>
           <a:lstStyle/>
           <a:p>
-            <a:endParaRPr lang="en-US"/>
+            <a:r>
+              <a:rPr lang="en-US" dirty="0" smtClean="0"/>
+              <a:t>Developing the “Brain”</a:t>
+            </a:r>
+            <a:endParaRPr lang="en-US" dirty="0"/>
           </a:p>
         </p:txBody>
       </p:sp>
@@ -9139,8 +9151,8 @@
         </p:nvSpPr>
         <p:spPr>
           <a:xfrm>
-            <a:off x="2589212" y="1905000"/>
-            <a:ext cx="8915400" cy="4853609"/>
+            <a:off x="2592925" y="1447846"/>
+            <a:ext cx="8915400" cy="5060046"/>
           </a:xfrm>
         </p:spPr>
         <p:txBody>
@@ -9320,8 +9332,13 @@
             </a:r>
             <a:r>
               <a:rPr lang="en-US" sz="2400" dirty="0" smtClean="0"/>
-              <a:t> Statistical NPL</a:t>
-            </a:r>
+              <a:t> Statistical </a:t>
+            </a:r>
+            <a:r>
+              <a:rPr lang="en-US" sz="2400" dirty="0" smtClean="0"/>
+              <a:t>NLP</a:t>
+            </a:r>
+            <a:endParaRPr lang="en-US" sz="2400" dirty="0" smtClean="0"/>
           </a:p>
           <a:p>
             <a:r>
@@ -9466,9 +9483,20 @@
           <a:p>
             <a:r>
               <a:rPr lang="en-US" sz="2400" dirty="0" smtClean="0"/>
-              <a:t>Machines lack experiences with linguistic structure and knowledge of real world, limited to only what humans know</a:t>
-            </a:r>
-            <a:endParaRPr lang="en-US" sz="2400" dirty="0"/>
+              <a:t>Machines lack experiences with linguistic structure and knowledge of real world, limited to only what humans </a:t>
+            </a:r>
+            <a:r>
+              <a:rPr lang="en-US" sz="2400" dirty="0" smtClean="0"/>
+              <a:t>know</a:t>
+            </a:r>
+          </a:p>
+          <a:p>
+            <a:pPr lvl="1"/>
+            <a:r>
+              <a:rPr lang="en-US" sz="2200" smtClean="0"/>
+              <a:t>Strong vs weak AI</a:t>
+            </a:r>
+            <a:endParaRPr lang="en-US" sz="2200" dirty="0"/>
           </a:p>
         </p:txBody>
       </p:sp>
